--- a/Textual zeugs/Submission_Buried Landmines (Draft).pptx
+++ b/Textual zeugs/Submission_Buried Landmines (Draft).pptx
@@ -104,6 +104,11 @@
       </a:defRPr>
     </a:lvl9pPr>
   </p:defaultTextStyle>
+  <p:extLst>
+    <p:ext uri="{EFAFB233-063F-42B5-8137-9DF3F51BA10A}">
+      <p15:sldGuideLst xmlns:p15="http://schemas.microsoft.com/office/powerpoint/2012/main"/>
+    </p:ext>
+  </p:extLst>
 </p:presentation>
 </file>
 
@@ -2760,15 +2765,7 @@
             </a:r>
             <a:r>
               <a:rPr lang="en-US" sz="1800" dirty="0"/>
-              <a:t>: </a:t>
-            </a:r>
-            <a:r>
-              <a:rPr lang="en-US" sz="1800" dirty="0">
-                <a:solidFill>
-                  <a:srgbClr val="FF0000"/>
-                </a:solidFill>
-              </a:rPr>
-              <a:t>2700 thermographic images </a:t>
+              <a:t>: 2700 thermographic images </a:t>
             </a:r>
           </a:p>
           <a:p>
@@ -2782,16 +2779,13 @@
             </a:r>
             <a:r>
               <a:rPr lang="en-US" sz="1800" dirty="0"/>
-              <a:t>: </a:t>
-            </a:r>
-            <a:r>
-              <a:rPr lang="en-US" sz="1800" dirty="0">
-                <a:solidFill>
-                  <a:srgbClr val="FF0000"/>
-                </a:solidFill>
-              </a:rPr>
-              <a:t>Landmines (True or False), Depth of landmines</a:t>
-            </a:r>
+              <a:t>: Landmines (True or False)</a:t>
+            </a:r>
+            <a:endParaRPr lang="en-US" sz="1800" dirty="0">
+              <a:solidFill>
+                <a:srgbClr val="FF0000"/>
+              </a:solidFill>
+            </a:endParaRPr>
           </a:p>
           <a:p>
             <a:r>
@@ -2808,16 +2802,13 @@
             </a:r>
             <a:r>
               <a:rPr lang="en-US" sz="1600" dirty="0"/>
-              <a:t>Apart from the specific article, in which the dataset got initially published, there is no previous work. </a:t>
-            </a:r>
-            <a:r>
-              <a:rPr lang="en-US" sz="1600" dirty="0">
-                <a:solidFill>
-                  <a:srgbClr val="FF0000"/>
-                </a:solidFill>
-              </a:rPr>
-              <a:t>(Recherche detecting of landmines with neuronal networks)</a:t>
-            </a:r>
+              <a:t>Apart from the specific paper, with which the dataset got initially published, there is no previous work on this dataset. Generally, there has been some previous work on the detection of mines in regard of different dimensions and characteristics. </a:t>
+            </a:r>
+            <a:endParaRPr lang="en-US" sz="1600" dirty="0">
+              <a:solidFill>
+                <a:srgbClr val="FF0000"/>
+              </a:solidFill>
+            </a:endParaRPr>
           </a:p>
           <a:p>
             <a:r>
@@ -2838,19 +2829,24 @@
             </a:r>
             <a:r>
               <a:rPr lang="en-US" sz="1600" dirty="0"/>
-              <a:t>Creating a new dataset in order to detect </a:t>
+              <a:t>Creating a new dataset in order to detect antipersonnel mines buried on the surface of terrain with a low percentage of vegetation and clay with the use of thermal photographic images. Every year over 26,000 people are affected by more than 110 million mines that are spread over approximately 64 countries. Commonly used detection methods for land mines are not suitable for surface mines such as “</a:t>
             </a:r>
             <a:r>
               <a:rPr lang="en-US" sz="1600" dirty="0" err="1"/>
-              <a:t>antipersonnal</a:t>
+              <a:t>Legbreakers</a:t>
             </a:r>
             <a:r>
               <a:rPr lang="en-US" sz="1600" dirty="0"/>
-              <a:t> mines buried on the surface of terrain with a low percentage of vegetation and clay with the use of thermal photographic images. By using this method human interactivity in the detection of landmines can be significantly reduced without them being put at risk. </a:t>
-            </a:r>
-          </a:p>
-          <a:p>
-            <a:endParaRPr lang="en-US" dirty="0"/>
+              <a:t>”. However, by using thermographic images and deep learning antipersonnel landmines of the type “</a:t>
+            </a:r>
+            <a:r>
+              <a:rPr lang="en-US" sz="1600" dirty="0" err="1"/>
+              <a:t>Legbreaker</a:t>
+            </a:r>
+            <a:r>
+              <a:rPr lang="en-US" sz="1600"/>
+              <a:t>” can more easily be detected, which reduces putting expensive devices and humans at risk. </a:t>
+            </a:r>
           </a:p>
         </p:txBody>
       </p:sp>
